--- a/figures/figure5.pptx
+++ b/figures/figure5.pptx
@@ -243,7 +243,7 @@
           <a:p>
             <a:fld id="{476D9124-AB36-4B7F-A4E2-3FFA9B99052F}" type="datetimeFigureOut">
               <a:rPr lang="en-US" smtClean="0"/>
-              <a:t>6/5/25</a:t>
+              <a:t>6/16/25</a:t>
             </a:fld>
             <a:endParaRPr lang="en-US"/>
           </a:p>
@@ -413,7 +413,7 @@
           <a:p>
             <a:fld id="{476D9124-AB36-4B7F-A4E2-3FFA9B99052F}" type="datetimeFigureOut">
               <a:rPr lang="en-US" smtClean="0"/>
-              <a:t>6/5/25</a:t>
+              <a:t>6/16/25</a:t>
             </a:fld>
             <a:endParaRPr lang="en-US"/>
           </a:p>
@@ -593,7 +593,7 @@
           <a:p>
             <a:fld id="{476D9124-AB36-4B7F-A4E2-3FFA9B99052F}" type="datetimeFigureOut">
               <a:rPr lang="en-US" smtClean="0"/>
-              <a:t>6/5/25</a:t>
+              <a:t>6/16/25</a:t>
             </a:fld>
             <a:endParaRPr lang="en-US"/>
           </a:p>
@@ -763,7 +763,7 @@
           <a:p>
             <a:fld id="{476D9124-AB36-4B7F-A4E2-3FFA9B99052F}" type="datetimeFigureOut">
               <a:rPr lang="en-US" smtClean="0"/>
-              <a:t>6/5/25</a:t>
+              <a:t>6/16/25</a:t>
             </a:fld>
             <a:endParaRPr lang="en-US"/>
           </a:p>
@@ -1009,7 +1009,7 @@
           <a:p>
             <a:fld id="{476D9124-AB36-4B7F-A4E2-3FFA9B99052F}" type="datetimeFigureOut">
               <a:rPr lang="en-US" smtClean="0"/>
-              <a:t>6/5/25</a:t>
+              <a:t>6/16/25</a:t>
             </a:fld>
             <a:endParaRPr lang="en-US"/>
           </a:p>
@@ -1241,7 +1241,7 @@
           <a:p>
             <a:fld id="{476D9124-AB36-4B7F-A4E2-3FFA9B99052F}" type="datetimeFigureOut">
               <a:rPr lang="en-US" smtClean="0"/>
-              <a:t>6/5/25</a:t>
+              <a:t>6/16/25</a:t>
             </a:fld>
             <a:endParaRPr lang="en-US"/>
           </a:p>
@@ -1608,7 +1608,7 @@
           <a:p>
             <a:fld id="{476D9124-AB36-4B7F-A4E2-3FFA9B99052F}" type="datetimeFigureOut">
               <a:rPr lang="en-US" smtClean="0"/>
-              <a:t>6/5/25</a:t>
+              <a:t>6/16/25</a:t>
             </a:fld>
             <a:endParaRPr lang="en-US"/>
           </a:p>
@@ -1726,7 +1726,7 @@
           <a:p>
             <a:fld id="{476D9124-AB36-4B7F-A4E2-3FFA9B99052F}" type="datetimeFigureOut">
               <a:rPr lang="en-US" smtClean="0"/>
-              <a:t>6/5/25</a:t>
+              <a:t>6/16/25</a:t>
             </a:fld>
             <a:endParaRPr lang="en-US"/>
           </a:p>
@@ -1821,7 +1821,7 @@
           <a:p>
             <a:fld id="{476D9124-AB36-4B7F-A4E2-3FFA9B99052F}" type="datetimeFigureOut">
               <a:rPr lang="en-US" smtClean="0"/>
-              <a:t>6/5/25</a:t>
+              <a:t>6/16/25</a:t>
             </a:fld>
             <a:endParaRPr lang="en-US"/>
           </a:p>
@@ -2098,7 +2098,7 @@
           <a:p>
             <a:fld id="{476D9124-AB36-4B7F-A4E2-3FFA9B99052F}" type="datetimeFigureOut">
               <a:rPr lang="en-US" smtClean="0"/>
-              <a:t>6/5/25</a:t>
+              <a:t>6/16/25</a:t>
             </a:fld>
             <a:endParaRPr lang="en-US"/>
           </a:p>
@@ -2355,7 +2355,7 @@
           <a:p>
             <a:fld id="{476D9124-AB36-4B7F-A4E2-3FFA9B99052F}" type="datetimeFigureOut">
               <a:rPr lang="en-US" smtClean="0"/>
-              <a:t>6/5/25</a:t>
+              <a:t>6/16/25</a:t>
             </a:fld>
             <a:endParaRPr lang="en-US"/>
           </a:p>
@@ -2568,7 +2568,7 @@
           <a:p>
             <a:fld id="{476D9124-AB36-4B7F-A4E2-3FFA9B99052F}" type="datetimeFigureOut">
               <a:rPr lang="en-US" smtClean="0"/>
-              <a:t>6/5/25</a:t>
+              <a:t>6/16/25</a:t>
             </a:fld>
             <a:endParaRPr lang="en-US"/>
           </a:p>
@@ -9171,15 +9171,22 @@
               </a:spcAft>
             </a:pPr>
             <a:r>
-              <a:rPr lang="en-US" sz="700" dirty="0">
+              <a:rPr lang="en-US" sz="700">
                 <a:solidFill>
                   <a:srgbClr val="333333"/>
                 </a:solidFill>
                 <a:latin typeface="Arial" panose="020B0604020202020204" pitchFamily="34" charset="0"/>
                 <a:cs typeface="Arial" panose="020B0604020202020204" pitchFamily="34" charset="0"/>
               </a:rPr>
-              <a:t>metacyc-keg</a:t>
-            </a:r>
+              <a:t>metacyc-kegg</a:t>
+            </a:r>
+            <a:endParaRPr lang="en-US" sz="700" dirty="0">
+              <a:solidFill>
+                <a:srgbClr val="333333"/>
+              </a:solidFill>
+              <a:latin typeface="Arial" panose="020B0604020202020204" pitchFamily="34" charset="0"/>
+              <a:cs typeface="Arial" panose="020B0604020202020204" pitchFamily="34" charset="0"/>
+            </a:endParaRPr>
           </a:p>
           <a:p>
             <a:pPr>
